--- a/doc/fdp/MTE 481 FDP.pptx
+++ b/doc/fdp/MTE 481 FDP.pptx
@@ -11,12 +11,20 @@
     <p:sldId id="259" r:id="rId5"/>
     <p:sldId id="260" r:id="rId6"/>
     <p:sldId id="261" r:id="rId7"/>
-    <p:sldId id="265" r:id="rId8"/>
-    <p:sldId id="267" r:id="rId9"/>
-    <p:sldId id="266" r:id="rId10"/>
-    <p:sldId id="263" r:id="rId11"/>
-    <p:sldId id="264" r:id="rId12"/>
-    <p:sldId id="262" r:id="rId13"/>
+    <p:sldId id="267" r:id="rId8"/>
+    <p:sldId id="268" r:id="rId9"/>
+    <p:sldId id="265" r:id="rId10"/>
+    <p:sldId id="270" r:id="rId11"/>
+    <p:sldId id="269" r:id="rId12"/>
+    <p:sldId id="273" r:id="rId13"/>
+    <p:sldId id="266" r:id="rId14"/>
+    <p:sldId id="271" r:id="rId15"/>
+    <p:sldId id="272" r:id="rId16"/>
+    <p:sldId id="263" r:id="rId17"/>
+    <p:sldId id="264" r:id="rId18"/>
+    <p:sldId id="274" r:id="rId19"/>
+    <p:sldId id="262" r:id="rId20"/>
+    <p:sldId id="275" r:id="rId21"/>
   </p:sldIdLst>
   <p:sldSz cx="9144000" cy="6858000" type="screen4x3"/>
   <p:notesSz cx="6858000" cy="9144000"/>
@@ -299,7 +307,8 @@
           <a:p>
             <a:fld id="{3E270093-31A0-4FF7-BABE-BBAFB1F51AF5}" type="datetimeFigureOut">
               <a:rPr lang="en-US" smtClean="0"/>
-              <a:t>11/19/2011</a:t>
+              <a:pPr/>
+              <a:t>11/20/2011</a:t>
             </a:fld>
             <a:endParaRPr lang="en-US"/>
           </a:p>
@@ -341,6 +350,7 @@
           <a:p>
             <a:fld id="{9F5B8448-F71B-43AF-B70F-B3B93A3A8A50}" type="slidenum">
               <a:rPr lang="en-US" smtClean="0"/>
+              <a:pPr/>
               <a:t>‹#›</a:t>
             </a:fld>
             <a:endParaRPr lang="en-US"/>
@@ -464,7 +474,8 @@
           <a:p>
             <a:fld id="{3E270093-31A0-4FF7-BABE-BBAFB1F51AF5}" type="datetimeFigureOut">
               <a:rPr lang="en-US" smtClean="0"/>
-              <a:t>11/19/2011</a:t>
+              <a:pPr/>
+              <a:t>11/20/2011</a:t>
             </a:fld>
             <a:endParaRPr lang="en-US"/>
           </a:p>
@@ -506,6 +517,7 @@
           <a:p>
             <a:fld id="{9F5B8448-F71B-43AF-B70F-B3B93A3A8A50}" type="slidenum">
               <a:rPr lang="en-US" smtClean="0"/>
+              <a:pPr/>
               <a:t>‹#›</a:t>
             </a:fld>
             <a:endParaRPr lang="en-US"/>
@@ -639,7 +651,8 @@
           <a:p>
             <a:fld id="{3E270093-31A0-4FF7-BABE-BBAFB1F51AF5}" type="datetimeFigureOut">
               <a:rPr lang="en-US" smtClean="0"/>
-              <a:t>11/19/2011</a:t>
+              <a:pPr/>
+              <a:t>11/20/2011</a:t>
             </a:fld>
             <a:endParaRPr lang="en-US"/>
           </a:p>
@@ -681,6 +694,7 @@
           <a:p>
             <a:fld id="{9F5B8448-F71B-43AF-B70F-B3B93A3A8A50}" type="slidenum">
               <a:rPr lang="en-US" smtClean="0"/>
+              <a:pPr/>
               <a:t>‹#›</a:t>
             </a:fld>
             <a:endParaRPr lang="en-US"/>
@@ -804,7 +818,8 @@
           <a:p>
             <a:fld id="{3E270093-31A0-4FF7-BABE-BBAFB1F51AF5}" type="datetimeFigureOut">
               <a:rPr lang="en-US" smtClean="0"/>
-              <a:t>11/19/2011</a:t>
+              <a:pPr/>
+              <a:t>11/20/2011</a:t>
             </a:fld>
             <a:endParaRPr lang="en-US"/>
           </a:p>
@@ -846,6 +861,7 @@
           <a:p>
             <a:fld id="{9F5B8448-F71B-43AF-B70F-B3B93A3A8A50}" type="slidenum">
               <a:rPr lang="en-US" smtClean="0"/>
+              <a:pPr/>
               <a:t>‹#›</a:t>
             </a:fld>
             <a:endParaRPr lang="en-US"/>
@@ -1045,7 +1061,8 @@
           <a:p>
             <a:fld id="{3E270093-31A0-4FF7-BABE-BBAFB1F51AF5}" type="datetimeFigureOut">
               <a:rPr lang="en-US" smtClean="0"/>
-              <a:t>11/19/2011</a:t>
+              <a:pPr/>
+              <a:t>11/20/2011</a:t>
             </a:fld>
             <a:endParaRPr lang="en-US"/>
           </a:p>
@@ -1087,6 +1104,7 @@
           <a:p>
             <a:fld id="{9F5B8448-F71B-43AF-B70F-B3B93A3A8A50}" type="slidenum">
               <a:rPr lang="en-US" smtClean="0"/>
+              <a:pPr/>
               <a:t>‹#›</a:t>
             </a:fld>
             <a:endParaRPr lang="en-US"/>
@@ -1328,7 +1346,8 @@
           <a:p>
             <a:fld id="{3E270093-31A0-4FF7-BABE-BBAFB1F51AF5}" type="datetimeFigureOut">
               <a:rPr lang="en-US" smtClean="0"/>
-              <a:t>11/19/2011</a:t>
+              <a:pPr/>
+              <a:t>11/20/2011</a:t>
             </a:fld>
             <a:endParaRPr lang="en-US"/>
           </a:p>
@@ -1370,6 +1389,7 @@
           <a:p>
             <a:fld id="{9F5B8448-F71B-43AF-B70F-B3B93A3A8A50}" type="slidenum">
               <a:rPr lang="en-US" smtClean="0"/>
+              <a:pPr/>
               <a:t>‹#›</a:t>
             </a:fld>
             <a:endParaRPr lang="en-US"/>
@@ -1745,7 +1765,8 @@
           <a:p>
             <a:fld id="{3E270093-31A0-4FF7-BABE-BBAFB1F51AF5}" type="datetimeFigureOut">
               <a:rPr lang="en-US" smtClean="0"/>
-              <a:t>11/19/2011</a:t>
+              <a:pPr/>
+              <a:t>11/20/2011</a:t>
             </a:fld>
             <a:endParaRPr lang="en-US"/>
           </a:p>
@@ -1787,6 +1808,7 @@
           <a:p>
             <a:fld id="{9F5B8448-F71B-43AF-B70F-B3B93A3A8A50}" type="slidenum">
               <a:rPr lang="en-US" smtClean="0"/>
+              <a:pPr/>
               <a:t>‹#›</a:t>
             </a:fld>
             <a:endParaRPr lang="en-US"/>
@@ -1858,7 +1880,8 @@
           <a:p>
             <a:fld id="{3E270093-31A0-4FF7-BABE-BBAFB1F51AF5}" type="datetimeFigureOut">
               <a:rPr lang="en-US" smtClean="0"/>
-              <a:t>11/19/2011</a:t>
+              <a:pPr/>
+              <a:t>11/20/2011</a:t>
             </a:fld>
             <a:endParaRPr lang="en-US"/>
           </a:p>
@@ -1900,6 +1923,7 @@
           <a:p>
             <a:fld id="{9F5B8448-F71B-43AF-B70F-B3B93A3A8A50}" type="slidenum">
               <a:rPr lang="en-US" smtClean="0"/>
+              <a:pPr/>
               <a:t>‹#›</a:t>
             </a:fld>
             <a:endParaRPr lang="en-US"/>
@@ -1948,7 +1972,8 @@
           <a:p>
             <a:fld id="{3E270093-31A0-4FF7-BABE-BBAFB1F51AF5}" type="datetimeFigureOut">
               <a:rPr lang="en-US" smtClean="0"/>
-              <a:t>11/19/2011</a:t>
+              <a:pPr/>
+              <a:t>11/20/2011</a:t>
             </a:fld>
             <a:endParaRPr lang="en-US"/>
           </a:p>
@@ -1990,6 +2015,7 @@
           <a:p>
             <a:fld id="{9F5B8448-F71B-43AF-B70F-B3B93A3A8A50}" type="slidenum">
               <a:rPr lang="en-US" smtClean="0"/>
+              <a:pPr/>
               <a:t>‹#›</a:t>
             </a:fld>
             <a:endParaRPr lang="en-US"/>
@@ -2220,7 +2246,8 @@
           <a:p>
             <a:fld id="{3E270093-31A0-4FF7-BABE-BBAFB1F51AF5}" type="datetimeFigureOut">
               <a:rPr lang="en-US" smtClean="0"/>
-              <a:t>11/19/2011</a:t>
+              <a:pPr/>
+              <a:t>11/20/2011</a:t>
             </a:fld>
             <a:endParaRPr lang="en-US"/>
           </a:p>
@@ -2262,6 +2289,7 @@
           <a:p>
             <a:fld id="{9F5B8448-F71B-43AF-B70F-B3B93A3A8A50}" type="slidenum">
               <a:rPr lang="en-US" smtClean="0"/>
+              <a:pPr/>
               <a:t>‹#›</a:t>
             </a:fld>
             <a:endParaRPr lang="en-US"/>
@@ -2468,7 +2496,8 @@
           <a:p>
             <a:fld id="{3E270093-31A0-4FF7-BABE-BBAFB1F51AF5}" type="datetimeFigureOut">
               <a:rPr lang="en-US" smtClean="0"/>
-              <a:t>11/19/2011</a:t>
+              <a:pPr/>
+              <a:t>11/20/2011</a:t>
             </a:fld>
             <a:endParaRPr lang="en-US"/>
           </a:p>
@@ -2510,6 +2539,7 @@
           <a:p>
             <a:fld id="{9F5B8448-F71B-43AF-B70F-B3B93A3A8A50}" type="slidenum">
               <a:rPr lang="en-US" smtClean="0"/>
+              <a:pPr/>
               <a:t>‹#›</a:t>
             </a:fld>
             <a:endParaRPr lang="en-US"/>
@@ -2676,7 +2706,8 @@
           <a:p>
             <a:fld id="{3E270093-31A0-4FF7-BABE-BBAFB1F51AF5}" type="datetimeFigureOut">
               <a:rPr lang="en-US" smtClean="0"/>
-              <a:t>11/19/2011</a:t>
+              <a:pPr/>
+              <a:t>11/20/2011</a:t>
             </a:fld>
             <a:endParaRPr lang="en-US"/>
           </a:p>
@@ -2754,6 +2785,7 @@
           <a:p>
             <a:fld id="{9F5B8448-F71B-43AF-B70F-B3B93A3A8A50}" type="slidenum">
               <a:rPr lang="en-US" smtClean="0"/>
+              <a:pPr/>
               <a:t>‹#›</a:t>
             </a:fld>
             <a:endParaRPr lang="en-US"/>
@@ -3139,40 +3171,32 @@
           <a:lstStyle/>
           <a:p>
             <a:r>
-              <a:rPr lang="en-US" dirty="0" err="1" smtClean="0"/>
-              <a:t>Kinect</a:t>
-            </a:r>
-            <a:r>
               <a:rPr lang="en-US" dirty="0" smtClean="0"/>
-              <a:t> – Point Cloud</a:t>
+              <a:t>Final Mechanicals</a:t>
             </a:r>
             <a:endParaRPr lang="en-US" dirty="0"/>
           </a:p>
         </p:txBody>
       </p:sp>
-      <p:pic>
-        <p:nvPicPr>
-          <p:cNvPr id="5" name="Content Placeholder 4" descr="group_pointcloud.png"/>
-          <p:cNvPicPr>
-            <a:picLocks noGrp="1" noChangeAspect="1"/>
-          </p:cNvPicPr>
+      <p:sp>
+        <p:nvSpPr>
+          <p:cNvPr id="3" name="Content Placeholder 2"/>
+          <p:cNvSpPr>
+            <a:spLocks noGrp="1"/>
+          </p:cNvSpPr>
           <p:nvPr>
             <p:ph idx="1"/>
           </p:nvPr>
-        </p:nvPicPr>
-        <p:blipFill>
-          <a:blip r:embed="rId2" cstate="print"/>
-          <a:stretch>
-            <a:fillRect/>
-          </a:stretch>
-        </p:blipFill>
-        <p:spPr>
-          <a:xfrm>
-            <a:off x="1582874" y="1600200"/>
-            <a:ext cx="5978251" cy="4525963"/>
-          </a:xfrm>
-        </p:spPr>
-      </p:pic>
+        </p:nvSpPr>
+        <p:spPr/>
+        <p:txBody>
+          <a:bodyPr/>
+          <a:lstStyle/>
+          <a:p>
+            <a:endParaRPr lang="en-US"/>
+          </a:p>
+        </p:txBody>
+      </p:sp>
     </p:spTree>
   </p:cSld>
   <p:clrMapOvr>
@@ -3214,6 +3238,516 @@
           <a:lstStyle/>
           <a:p>
             <a:r>
+              <a:rPr lang="en-US" dirty="0" smtClean="0"/>
+              <a:t>Sensor Progress</a:t>
+            </a:r>
+            <a:endParaRPr lang="en-US" dirty="0"/>
+          </a:p>
+        </p:txBody>
+      </p:sp>
+      <p:sp>
+        <p:nvSpPr>
+          <p:cNvPr id="3" name="Content Placeholder 2"/>
+          <p:cNvSpPr>
+            <a:spLocks noGrp="1"/>
+          </p:cNvSpPr>
+          <p:nvPr>
+            <p:ph idx="1"/>
+          </p:nvPr>
+        </p:nvSpPr>
+        <p:spPr/>
+        <p:txBody>
+          <a:bodyPr/>
+          <a:lstStyle/>
+          <a:p>
+            <a:r>
+              <a:rPr lang="en-US" dirty="0" smtClean="0"/>
+              <a:t>Integration of </a:t>
+            </a:r>
+            <a:r>
+              <a:rPr lang="en-US" dirty="0" err="1" smtClean="0"/>
+              <a:t>Kinect</a:t>
+            </a:r>
+            <a:r>
+              <a:rPr lang="en-US" dirty="0" smtClean="0"/>
+              <a:t> with ROS</a:t>
+            </a:r>
+          </a:p>
+          <a:p>
+            <a:pPr lvl="1"/>
+            <a:r>
+              <a:rPr lang="en-US" dirty="0" smtClean="0"/>
+              <a:t>Collision Map Generation</a:t>
+            </a:r>
+          </a:p>
+          <a:p>
+            <a:r>
+              <a:rPr lang="en-US" dirty="0" smtClean="0"/>
+              <a:t>Integration of sonar sensors with ROS</a:t>
+            </a:r>
+          </a:p>
+          <a:p>
+            <a:r>
+              <a:rPr lang="en-US" dirty="0" smtClean="0"/>
+              <a:t>Evaluation of </a:t>
+            </a:r>
+            <a:r>
+              <a:rPr lang="en-US" dirty="0" err="1" smtClean="0"/>
+              <a:t>Kinect</a:t>
+            </a:r>
+            <a:r>
+              <a:rPr lang="en-US" dirty="0" smtClean="0"/>
+              <a:t> and sonar sensor</a:t>
+            </a:r>
+          </a:p>
+          <a:p>
+            <a:pPr lvl="1"/>
+            <a:r>
+              <a:rPr lang="en-US" dirty="0" smtClean="0"/>
+              <a:t>Discussion of final configuration</a:t>
+            </a:r>
+            <a:endParaRPr lang="en-US" dirty="0"/>
+          </a:p>
+        </p:txBody>
+      </p:sp>
+    </p:spTree>
+  </p:cSld>
+  <p:clrMapOvr>
+    <a:masterClrMapping/>
+  </p:clrMapOvr>
+</p:sld>
+</file>
+
+<file path=ppt/slides/slide12.xml><?xml version="1.0" encoding="utf-8"?>
+<p:sld xmlns:a="http://schemas.openxmlformats.org/drawingml/2006/main" xmlns:r="http://schemas.openxmlformats.org/officeDocument/2006/relationships" xmlns:p="http://schemas.openxmlformats.org/presentationml/2006/main">
+  <p:cSld>
+    <p:spTree>
+      <p:nvGrpSpPr>
+        <p:cNvPr id="1" name=""/>
+        <p:cNvGrpSpPr/>
+        <p:nvPr/>
+      </p:nvGrpSpPr>
+      <p:grpSpPr>
+        <a:xfrm>
+          <a:off x="0" y="0"/>
+          <a:ext cx="0" cy="0"/>
+          <a:chOff x="0" y="0"/>
+          <a:chExt cx="0" cy="0"/>
+        </a:xfrm>
+      </p:grpSpPr>
+      <p:sp>
+        <p:nvSpPr>
+          <p:cNvPr id="2" name="Title 1"/>
+          <p:cNvSpPr>
+            <a:spLocks noGrp="1"/>
+          </p:cNvSpPr>
+          <p:nvPr>
+            <p:ph type="title"/>
+          </p:nvPr>
+        </p:nvSpPr>
+        <p:spPr/>
+        <p:txBody>
+          <a:bodyPr/>
+          <a:lstStyle/>
+          <a:p>
+            <a:r>
+              <a:rPr lang="en-US" dirty="0" smtClean="0"/>
+              <a:t>Testing/Integration</a:t>
+            </a:r>
+            <a:endParaRPr lang="en-US" dirty="0"/>
+          </a:p>
+        </p:txBody>
+      </p:sp>
+      <p:pic>
+        <p:nvPicPr>
+          <p:cNvPr id="4098" name="Picture 2" descr="C:\Documents and Settings\Jordan\My Documents\MTE\MTE 4A\FYDP\GIT_DIR\doc\fdp\Testing_Pics\P1010009.JPG"/>
+          <p:cNvPicPr>
+            <a:picLocks noGrp="1" noChangeAspect="1" noChangeArrowheads="1"/>
+          </p:cNvPicPr>
+          <p:nvPr>
+            <p:ph idx="1"/>
+          </p:nvPr>
+        </p:nvPicPr>
+        <p:blipFill>
+          <a:blip r:embed="rId2" cstate="print"/>
+          <a:srcRect/>
+          <a:stretch>
+            <a:fillRect/>
+          </a:stretch>
+        </p:blipFill>
+        <p:spPr bwMode="auto">
+          <a:xfrm>
+            <a:off x="1554692" y="1600201"/>
+            <a:ext cx="3352800" cy="2514600"/>
+          </a:xfrm>
+          <a:prstGeom prst="rect">
+            <a:avLst/>
+          </a:prstGeom>
+          <a:noFill/>
+        </p:spPr>
+      </p:pic>
+    </p:spTree>
+  </p:cSld>
+  <p:clrMapOvr>
+    <a:masterClrMapping/>
+  </p:clrMapOvr>
+</p:sld>
+</file>
+
+<file path=ppt/slides/slide13.xml><?xml version="1.0" encoding="utf-8"?>
+<p:sld xmlns:a="http://schemas.openxmlformats.org/drawingml/2006/main" xmlns:r="http://schemas.openxmlformats.org/officeDocument/2006/relationships" xmlns:p="http://schemas.openxmlformats.org/presentationml/2006/main">
+  <p:cSld>
+    <p:spTree>
+      <p:nvGrpSpPr>
+        <p:cNvPr id="1" name=""/>
+        <p:cNvGrpSpPr/>
+        <p:nvPr/>
+      </p:nvGrpSpPr>
+      <p:grpSpPr>
+        <a:xfrm>
+          <a:off x="0" y="0"/>
+          <a:ext cx="0" cy="0"/>
+          <a:chOff x="0" y="0"/>
+          <a:chExt cx="0" cy="0"/>
+        </a:xfrm>
+      </p:grpSpPr>
+      <p:sp>
+        <p:nvSpPr>
+          <p:cNvPr id="2" name="Title 1"/>
+          <p:cNvSpPr>
+            <a:spLocks noGrp="1"/>
+          </p:cNvSpPr>
+          <p:nvPr>
+            <p:ph type="title"/>
+          </p:nvPr>
+        </p:nvSpPr>
+        <p:spPr/>
+        <p:txBody>
+          <a:bodyPr/>
+          <a:lstStyle/>
+          <a:p>
+            <a:r>
+              <a:rPr lang="en-US" dirty="0" smtClean="0"/>
+              <a:t>Testing/Integration</a:t>
+            </a:r>
+            <a:endParaRPr lang="en-US" dirty="0"/>
+          </a:p>
+        </p:txBody>
+      </p:sp>
+      <p:pic>
+        <p:nvPicPr>
+          <p:cNvPr id="1026" name="Picture 2"/>
+          <p:cNvPicPr>
+            <a:picLocks noGrp="1" noChangeAspect="1" noChangeArrowheads="1"/>
+          </p:cNvPicPr>
+          <p:nvPr>
+            <p:ph idx="1"/>
+          </p:nvPr>
+        </p:nvPicPr>
+        <p:blipFill>
+          <a:blip r:embed="rId2" cstate="print"/>
+          <a:srcRect/>
+          <a:stretch>
+            <a:fillRect/>
+          </a:stretch>
+        </p:blipFill>
+        <p:spPr bwMode="auto">
+          <a:xfrm>
+            <a:off x="2138362" y="1877219"/>
+            <a:ext cx="4867275" cy="3971925"/>
+          </a:xfrm>
+          <a:prstGeom prst="rect">
+            <a:avLst/>
+          </a:prstGeom>
+          <a:noFill/>
+          <a:ln w="9525">
+            <a:noFill/>
+            <a:miter lim="800000"/>
+            <a:headEnd/>
+            <a:tailEnd/>
+          </a:ln>
+        </p:spPr>
+      </p:pic>
+    </p:spTree>
+  </p:cSld>
+  <p:clrMapOvr>
+    <a:masterClrMapping/>
+  </p:clrMapOvr>
+</p:sld>
+</file>
+
+<file path=ppt/slides/slide14.xml><?xml version="1.0" encoding="utf-8"?>
+<p:sld xmlns:a="http://schemas.openxmlformats.org/drawingml/2006/main" xmlns:r="http://schemas.openxmlformats.org/officeDocument/2006/relationships" xmlns:p="http://schemas.openxmlformats.org/presentationml/2006/main">
+  <p:cSld>
+    <p:spTree>
+      <p:nvGrpSpPr>
+        <p:cNvPr id="1" name=""/>
+        <p:cNvGrpSpPr/>
+        <p:nvPr/>
+      </p:nvGrpSpPr>
+      <p:grpSpPr>
+        <a:xfrm>
+          <a:off x="0" y="0"/>
+          <a:ext cx="0" cy="0"/>
+          <a:chOff x="0" y="0"/>
+          <a:chExt cx="0" cy="0"/>
+        </a:xfrm>
+      </p:grpSpPr>
+      <p:sp>
+        <p:nvSpPr>
+          <p:cNvPr id="2" name="Title 1"/>
+          <p:cNvSpPr>
+            <a:spLocks noGrp="1"/>
+          </p:cNvSpPr>
+          <p:nvPr>
+            <p:ph type="title"/>
+          </p:nvPr>
+        </p:nvSpPr>
+        <p:spPr/>
+        <p:txBody>
+          <a:bodyPr/>
+          <a:lstStyle/>
+          <a:p>
+            <a:r>
+              <a:rPr lang="en-US" dirty="0" smtClean="0"/>
+              <a:t>Testing/Integration</a:t>
+            </a:r>
+            <a:endParaRPr lang="en-US" dirty="0"/>
+          </a:p>
+        </p:txBody>
+      </p:sp>
+      <p:pic>
+        <p:nvPicPr>
+          <p:cNvPr id="2050" name="Picture 2"/>
+          <p:cNvPicPr>
+            <a:picLocks noGrp="1" noChangeAspect="1" noChangeArrowheads="1"/>
+          </p:cNvPicPr>
+          <p:nvPr>
+            <p:ph idx="1"/>
+          </p:nvPr>
+        </p:nvPicPr>
+        <p:blipFill>
+          <a:blip r:embed="rId2" cstate="print"/>
+          <a:srcRect/>
+          <a:stretch>
+            <a:fillRect/>
+          </a:stretch>
+        </p:blipFill>
+        <p:spPr bwMode="auto">
+          <a:xfrm>
+            <a:off x="2138362" y="1877219"/>
+            <a:ext cx="4867275" cy="3971925"/>
+          </a:xfrm>
+          <a:prstGeom prst="rect">
+            <a:avLst/>
+          </a:prstGeom>
+          <a:noFill/>
+          <a:ln w="9525">
+            <a:noFill/>
+            <a:miter lim="800000"/>
+            <a:headEnd/>
+            <a:tailEnd/>
+          </a:ln>
+        </p:spPr>
+      </p:pic>
+    </p:spTree>
+  </p:cSld>
+  <p:clrMapOvr>
+    <a:masterClrMapping/>
+  </p:clrMapOvr>
+</p:sld>
+</file>
+
+<file path=ppt/slides/slide15.xml><?xml version="1.0" encoding="utf-8"?>
+<p:sld xmlns:a="http://schemas.openxmlformats.org/drawingml/2006/main" xmlns:r="http://schemas.openxmlformats.org/officeDocument/2006/relationships" xmlns:p="http://schemas.openxmlformats.org/presentationml/2006/main">
+  <p:cSld>
+    <p:spTree>
+      <p:nvGrpSpPr>
+        <p:cNvPr id="1" name=""/>
+        <p:cNvGrpSpPr/>
+        <p:nvPr/>
+      </p:nvGrpSpPr>
+      <p:grpSpPr>
+        <a:xfrm>
+          <a:off x="0" y="0"/>
+          <a:ext cx="0" cy="0"/>
+          <a:chOff x="0" y="0"/>
+          <a:chExt cx="0" cy="0"/>
+        </a:xfrm>
+      </p:grpSpPr>
+      <p:sp>
+        <p:nvSpPr>
+          <p:cNvPr id="2" name="Title 1"/>
+          <p:cNvSpPr>
+            <a:spLocks noGrp="1"/>
+          </p:cNvSpPr>
+          <p:nvPr>
+            <p:ph type="title"/>
+          </p:nvPr>
+        </p:nvSpPr>
+        <p:spPr/>
+        <p:txBody>
+          <a:bodyPr/>
+          <a:lstStyle/>
+          <a:p>
+            <a:r>
+              <a:rPr lang="en-US" dirty="0" smtClean="0"/>
+              <a:t>Testing/Integration</a:t>
+            </a:r>
+            <a:endParaRPr lang="en-US" dirty="0"/>
+          </a:p>
+        </p:txBody>
+      </p:sp>
+      <p:pic>
+        <p:nvPicPr>
+          <p:cNvPr id="3074" name="Picture 2"/>
+          <p:cNvPicPr>
+            <a:picLocks noGrp="1" noChangeAspect="1" noChangeArrowheads="1"/>
+          </p:cNvPicPr>
+          <p:nvPr>
+            <p:ph idx="1"/>
+          </p:nvPr>
+        </p:nvPicPr>
+        <p:blipFill>
+          <a:blip r:embed="rId2" cstate="print"/>
+          <a:srcRect/>
+          <a:stretch>
+            <a:fillRect/>
+          </a:stretch>
+        </p:blipFill>
+        <p:spPr bwMode="auto">
+          <a:xfrm>
+            <a:off x="2138362" y="1877219"/>
+            <a:ext cx="4867275" cy="3971925"/>
+          </a:xfrm>
+          <a:prstGeom prst="rect">
+            <a:avLst/>
+          </a:prstGeom>
+          <a:noFill/>
+          <a:ln w="9525">
+            <a:noFill/>
+            <a:miter lim="800000"/>
+            <a:headEnd/>
+            <a:tailEnd/>
+          </a:ln>
+        </p:spPr>
+      </p:pic>
+    </p:spTree>
+  </p:cSld>
+  <p:clrMapOvr>
+    <a:masterClrMapping/>
+  </p:clrMapOvr>
+</p:sld>
+</file>
+
+<file path=ppt/slides/slide16.xml><?xml version="1.0" encoding="utf-8"?>
+<p:sld xmlns:a="http://schemas.openxmlformats.org/drawingml/2006/main" xmlns:r="http://schemas.openxmlformats.org/officeDocument/2006/relationships" xmlns:p="http://schemas.openxmlformats.org/presentationml/2006/main">
+  <p:cSld>
+    <p:spTree>
+      <p:nvGrpSpPr>
+        <p:cNvPr id="1" name=""/>
+        <p:cNvGrpSpPr/>
+        <p:nvPr/>
+      </p:nvGrpSpPr>
+      <p:grpSpPr>
+        <a:xfrm>
+          <a:off x="0" y="0"/>
+          <a:ext cx="0" cy="0"/>
+          <a:chOff x="0" y="0"/>
+          <a:chExt cx="0" cy="0"/>
+        </a:xfrm>
+      </p:grpSpPr>
+      <p:sp>
+        <p:nvSpPr>
+          <p:cNvPr id="2" name="Title 1"/>
+          <p:cNvSpPr>
+            <a:spLocks noGrp="1"/>
+          </p:cNvSpPr>
+          <p:nvPr>
+            <p:ph type="title"/>
+          </p:nvPr>
+        </p:nvSpPr>
+        <p:spPr/>
+        <p:txBody>
+          <a:bodyPr/>
+          <a:lstStyle/>
+          <a:p>
+            <a:r>
+              <a:rPr lang="en-US" dirty="0" err="1" smtClean="0"/>
+              <a:t>Kinect</a:t>
+            </a:r>
+            <a:r>
+              <a:rPr lang="en-US" dirty="0" smtClean="0"/>
+              <a:t> – Point Cloud</a:t>
+            </a:r>
+            <a:endParaRPr lang="en-US" dirty="0"/>
+          </a:p>
+        </p:txBody>
+      </p:sp>
+      <p:pic>
+        <p:nvPicPr>
+          <p:cNvPr id="5" name="Content Placeholder 4" descr="group_pointcloud.png"/>
+          <p:cNvPicPr>
+            <a:picLocks noGrp="1" noChangeAspect="1"/>
+          </p:cNvPicPr>
+          <p:nvPr>
+            <p:ph idx="1"/>
+          </p:nvPr>
+        </p:nvPicPr>
+        <p:blipFill>
+          <a:blip r:embed="rId2" cstate="print"/>
+          <a:stretch>
+            <a:fillRect/>
+          </a:stretch>
+        </p:blipFill>
+        <p:spPr>
+          <a:xfrm>
+            <a:off x="1582874" y="1600200"/>
+            <a:ext cx="5978251" cy="4525963"/>
+          </a:xfrm>
+        </p:spPr>
+      </p:pic>
+    </p:spTree>
+  </p:cSld>
+  <p:clrMapOvr>
+    <a:masterClrMapping/>
+  </p:clrMapOvr>
+</p:sld>
+</file>
+
+<file path=ppt/slides/slide17.xml><?xml version="1.0" encoding="utf-8"?>
+<p:sld xmlns:a="http://schemas.openxmlformats.org/drawingml/2006/main" xmlns:r="http://schemas.openxmlformats.org/officeDocument/2006/relationships" xmlns:p="http://schemas.openxmlformats.org/presentationml/2006/main">
+  <p:cSld>
+    <p:spTree>
+      <p:nvGrpSpPr>
+        <p:cNvPr id="1" name=""/>
+        <p:cNvGrpSpPr/>
+        <p:nvPr/>
+      </p:nvGrpSpPr>
+      <p:grpSpPr>
+        <a:xfrm>
+          <a:off x="0" y="0"/>
+          <a:ext cx="0" cy="0"/>
+          <a:chOff x="0" y="0"/>
+          <a:chExt cx="0" cy="0"/>
+        </a:xfrm>
+      </p:grpSpPr>
+      <p:sp>
+        <p:nvSpPr>
+          <p:cNvPr id="2" name="Title 1"/>
+          <p:cNvSpPr>
+            <a:spLocks noGrp="1"/>
+          </p:cNvSpPr>
+          <p:nvPr>
+            <p:ph type="title"/>
+          </p:nvPr>
+        </p:nvSpPr>
+        <p:spPr/>
+        <p:txBody>
+          <a:bodyPr/>
+          <a:lstStyle/>
+          <a:p>
+            <a:r>
               <a:rPr lang="en-US" dirty="0" err="1" smtClean="0"/>
               <a:t>Kinect</a:t>
             </a:r>
@@ -3256,7 +3790,104 @@
 </p:sld>
 </file>
 
-<file path=ppt/slides/slide12.xml><?xml version="1.0" encoding="utf-8"?>
+<file path=ppt/slides/slide18.xml><?xml version="1.0" encoding="utf-8"?>
+<p:sld xmlns:a="http://schemas.openxmlformats.org/drawingml/2006/main" xmlns:r="http://schemas.openxmlformats.org/officeDocument/2006/relationships" xmlns:p="http://schemas.openxmlformats.org/presentationml/2006/main">
+  <p:cSld>
+    <p:spTree>
+      <p:nvGrpSpPr>
+        <p:cNvPr id="1" name=""/>
+        <p:cNvGrpSpPr/>
+        <p:nvPr/>
+      </p:nvGrpSpPr>
+      <p:grpSpPr>
+        <a:xfrm>
+          <a:off x="0" y="0"/>
+          <a:ext cx="0" cy="0"/>
+          <a:chOff x="0" y="0"/>
+          <a:chExt cx="0" cy="0"/>
+        </a:xfrm>
+      </p:grpSpPr>
+      <p:sp>
+        <p:nvSpPr>
+          <p:cNvPr id="2" name="Title 1"/>
+          <p:cNvSpPr>
+            <a:spLocks noGrp="1"/>
+          </p:cNvSpPr>
+          <p:nvPr>
+            <p:ph type="title"/>
+          </p:nvPr>
+        </p:nvSpPr>
+        <p:spPr/>
+        <p:txBody>
+          <a:bodyPr/>
+          <a:lstStyle/>
+          <a:p>
+            <a:r>
+              <a:rPr lang="en-US" dirty="0" smtClean="0"/>
+              <a:t>Integration Progress</a:t>
+            </a:r>
+            <a:endParaRPr lang="en-US" dirty="0"/>
+          </a:p>
+        </p:txBody>
+      </p:sp>
+      <p:sp>
+        <p:nvSpPr>
+          <p:cNvPr id="3" name="Content Placeholder 2"/>
+          <p:cNvSpPr>
+            <a:spLocks noGrp="1"/>
+          </p:cNvSpPr>
+          <p:nvPr>
+            <p:ph idx="1"/>
+          </p:nvPr>
+        </p:nvSpPr>
+        <p:spPr/>
+        <p:txBody>
+          <a:bodyPr/>
+          <a:lstStyle/>
+          <a:p>
+            <a:r>
+              <a:rPr lang="en-US" dirty="0" smtClean="0"/>
+              <a:t>2 Options</a:t>
+            </a:r>
+          </a:p>
+          <a:p>
+            <a:pPr lvl="1"/>
+            <a:r>
+              <a:rPr lang="en-US" dirty="0" smtClean="0"/>
+              <a:t>Replace existing controller</a:t>
+            </a:r>
+          </a:p>
+          <a:p>
+            <a:pPr lvl="1"/>
+            <a:r>
+              <a:rPr lang="en-US" dirty="0" smtClean="0"/>
+              <a:t>Modify controller (analog interface)</a:t>
+            </a:r>
+          </a:p>
+          <a:p>
+            <a:r>
+              <a:rPr lang="en-US" dirty="0" smtClean="0"/>
+              <a:t>Contingency</a:t>
+            </a:r>
+          </a:p>
+          <a:p>
+            <a:pPr lvl="1"/>
+            <a:r>
+              <a:rPr lang="en-US" dirty="0" smtClean="0"/>
+              <a:t>For prototype, replace motor controllers</a:t>
+            </a:r>
+          </a:p>
+        </p:txBody>
+      </p:sp>
+    </p:spTree>
+  </p:cSld>
+  <p:clrMapOvr>
+    <a:masterClrMapping/>
+  </p:clrMapOvr>
+</p:sld>
+</file>
+
+<file path=ppt/slides/slide19.xml><?xml version="1.0" encoding="utf-8"?>
 <p:sld xmlns:a="http://schemas.openxmlformats.org/drawingml/2006/main" xmlns:r="http://schemas.openxmlformats.org/officeDocument/2006/relationships" xmlns:p="http://schemas.openxmlformats.org/presentationml/2006/main">
   <p:cSld>
     <p:spTree>
@@ -4586,6 +5217,76 @@
               <a:rPr lang="en-US" dirty="0"/>
               <a:t>to the more severely disabled.</a:t>
             </a:r>
+          </a:p>
+        </p:txBody>
+      </p:sp>
+    </p:spTree>
+  </p:cSld>
+  <p:clrMapOvr>
+    <a:masterClrMapping/>
+  </p:clrMapOvr>
+</p:sld>
+</file>
+
+<file path=ppt/slides/slide20.xml><?xml version="1.0" encoding="utf-8"?>
+<p:sld xmlns:a="http://schemas.openxmlformats.org/drawingml/2006/main" xmlns:r="http://schemas.openxmlformats.org/officeDocument/2006/relationships" xmlns:p="http://schemas.openxmlformats.org/presentationml/2006/main">
+  <p:cSld>
+    <p:spTree>
+      <p:nvGrpSpPr>
+        <p:cNvPr id="1" name=""/>
+        <p:cNvGrpSpPr/>
+        <p:nvPr/>
+      </p:nvGrpSpPr>
+      <p:grpSpPr>
+        <a:xfrm>
+          <a:off x="0" y="0"/>
+          <a:ext cx="0" cy="0"/>
+          <a:chOff x="0" y="0"/>
+          <a:chExt cx="0" cy="0"/>
+        </a:xfrm>
+      </p:grpSpPr>
+      <p:sp>
+        <p:nvSpPr>
+          <p:cNvPr id="2" name="Title 1"/>
+          <p:cNvSpPr>
+            <a:spLocks noGrp="1"/>
+          </p:cNvSpPr>
+          <p:nvPr>
+            <p:ph type="title"/>
+          </p:nvPr>
+        </p:nvSpPr>
+        <p:spPr/>
+        <p:txBody>
+          <a:bodyPr/>
+          <a:lstStyle/>
+          <a:p>
+            <a:r>
+              <a:rPr lang="en-US" dirty="0" smtClean="0"/>
+              <a:t>Questions?</a:t>
+            </a:r>
+            <a:endParaRPr lang="en-US" dirty="0"/>
+          </a:p>
+        </p:txBody>
+      </p:sp>
+      <p:sp>
+        <p:nvSpPr>
+          <p:cNvPr id="3" name="Content Placeholder 2"/>
+          <p:cNvSpPr>
+            <a:spLocks noGrp="1"/>
+          </p:cNvSpPr>
+          <p:nvPr>
+            <p:ph idx="1"/>
+          </p:nvPr>
+        </p:nvSpPr>
+        <p:spPr/>
+        <p:txBody>
+          <a:bodyPr/>
+          <a:lstStyle/>
+          <a:p>
+            <a:pPr>
+              <a:buNone/>
+            </a:pPr>
+            <a:endParaRPr lang="en-US" dirty="0"/>
           </a:p>
         </p:txBody>
       </p:sp>
@@ -10151,34 +10852,46 @@
           <a:p>
             <a:r>
               <a:rPr lang="en-US" dirty="0" smtClean="0"/>
-              <a:t>Prototypes</a:t>
+              <a:t>High Level Operation</a:t>
             </a:r>
             <a:endParaRPr lang="en-US" dirty="0"/>
           </a:p>
         </p:txBody>
       </p:sp>
-      <p:sp>
-        <p:nvSpPr>
-          <p:cNvPr id="3" name="Content Placeholder 2"/>
-          <p:cNvSpPr>
-            <a:spLocks noGrp="1"/>
-          </p:cNvSpPr>
+      <p:pic>
+        <p:nvPicPr>
+          <p:cNvPr id="1026" name="Picture 2"/>
+          <p:cNvPicPr>
+            <a:picLocks noGrp="1" noChangeAspect="1" noChangeArrowheads="1"/>
+          </p:cNvPicPr>
           <p:nvPr>
             <p:ph idx="1"/>
           </p:nvPr>
-        </p:nvSpPr>
-        <p:spPr/>
-        <p:txBody>
-          <a:bodyPr/>
-          <a:lstStyle/>
-          <a:p>
-            <a:r>
-              <a:rPr lang="en-US" dirty="0" smtClean="0"/>
-              <a:t>Show  Rowan’s Drawings Here</a:t>
-            </a:r>
-          </a:p>
-        </p:txBody>
-      </p:sp>
+        </p:nvPicPr>
+        <p:blipFill>
+          <a:blip r:embed="rId2" cstate="print"/>
+          <a:srcRect/>
+          <a:stretch>
+            <a:fillRect/>
+          </a:stretch>
+        </p:blipFill>
+        <p:spPr bwMode="auto">
+          <a:xfrm>
+            <a:off x="1888088" y="1600200"/>
+            <a:ext cx="5367823" cy="4525963"/>
+          </a:xfrm>
+          <a:prstGeom prst="rect">
+            <a:avLst/>
+          </a:prstGeom>
+          <a:noFill/>
+          <a:ln w="9525">
+            <a:noFill/>
+            <a:miter lim="800000"/>
+            <a:headEnd/>
+            <a:tailEnd/>
+          </a:ln>
+        </p:spPr>
+      </p:pic>
     </p:spTree>
   </p:cSld>
   <p:clrMapOvr>
@@ -10221,7 +10934,7 @@
           <a:p>
             <a:r>
               <a:rPr lang="en-US" dirty="0" smtClean="0"/>
-              <a:t>High Level Operation</a:t>
+              <a:t>Mechanical Progress</a:t>
             </a:r>
             <a:endParaRPr lang="en-US" dirty="0"/>
           </a:p>
@@ -10244,7 +10957,19 @@
           <a:p>
             <a:r>
               <a:rPr lang="en-US" dirty="0" smtClean="0"/>
-              <a:t>Add in good diagram</a:t>
+              <a:t>Cad Model</a:t>
+            </a:r>
+          </a:p>
+          <a:p>
+            <a:r>
+              <a:rPr lang="en-US" dirty="0" smtClean="0"/>
+              <a:t>Prototypes</a:t>
+            </a:r>
+          </a:p>
+          <a:p>
+            <a:r>
+              <a:rPr lang="en-US" dirty="0" smtClean="0"/>
+              <a:t>Final Design</a:t>
             </a:r>
             <a:endParaRPr lang="en-US" dirty="0"/>
           </a:p>
@@ -10292,7 +11017,7 @@
           <a:p>
             <a:r>
               <a:rPr lang="en-US" dirty="0" smtClean="0"/>
-              <a:t>Testing</a:t>
+              <a:t>Prototypes</a:t>
             </a:r>
             <a:endParaRPr lang="en-US" dirty="0"/>
           </a:p>
@@ -10315,9 +11040,8 @@
           <a:p>
             <a:r>
               <a:rPr lang="en-US" dirty="0" smtClean="0"/>
-              <a:t>Show Pictures From Testing Here</a:t>
-            </a:r>
-            <a:endParaRPr lang="en-US" dirty="0"/>
+              <a:t>Show  Rowan’s Drawings Here</a:t>
+            </a:r>
           </a:p>
         </p:txBody>
       </p:sp>
